--- a/Weekly Meetings FYP.pptx
+++ b/Weekly Meetings FYP.pptx
@@ -4493,7 +4493,7 @@
           <a:lstStyle/>
           <a:p>
             <a:r>
-              <a:rPr lang="en-US" sz="2400" dirty="0"/>
+              <a:rPr lang="en-US" sz="2000" dirty="0"/>
               <a:t>Parallel Manipulator</a:t>
             </a:r>
           </a:p>
@@ -5310,15 +5310,6 @@
 </file>
 
 <file path=customXml/item2.xml><?xml version="1.0" encoding="utf-8"?>
-<?mso-contentType ?>
-<FormTemplates xmlns="http://schemas.microsoft.com/sharepoint/v3/contenttype/forms">
-  <Display>DocumentLibraryForm</Display>
-  <Edit>DocumentLibraryForm</Edit>
-  <New>DocumentLibraryForm</New>
-</FormTemplates>
-</file>
-
-<file path=customXml/item3.xml><?xml version="1.0" encoding="utf-8"?>
 <ct:contentTypeSchema xmlns:ct="http://schemas.microsoft.com/office/2006/metadata/contentType" xmlns:ma="http://schemas.microsoft.com/office/2006/metadata/properties/metaAttributes" ct:_="" ma:_="" ma:contentTypeName="Document" ma:contentTypeID="0x010100193F40A6F34E71478C04A6C9266E907F" ma:contentTypeVersion="11" ma:contentTypeDescription="Create a new document." ma:contentTypeScope="" ma:versionID="cd0901fca77e6d2843dc68a8ca8736ed">
   <xsd:schema xmlns:xsd="http://www.w3.org/2001/XMLSchema" xmlns:xs="http://www.w3.org/2001/XMLSchema" xmlns:p="http://schemas.microsoft.com/office/2006/metadata/properties" xmlns:ns3="eaac0109-c76f-4150-a5b7-55c6ab159f95" xmlns:ns4="a74673e6-49b0-477e-9180-497c60e39b2b" targetNamespace="http://schemas.microsoft.com/office/2006/metadata/properties" ma:root="true" ma:fieldsID="4ab6fdd8be463f6aedc053ae46fcd042" ns3:_="" ns4:_="">
     <xsd:import namespace="eaac0109-c76f-4150-a5b7-55c6ab159f95"/>
@@ -5529,32 +5520,33 @@
 </ct:contentTypeSchema>
 </file>
 
+<file path=customXml/item3.xml><?xml version="1.0" encoding="utf-8"?>
+<?mso-contentType ?>
+<FormTemplates xmlns="http://schemas.microsoft.com/sharepoint/v3/contenttype/forms">
+  <Display>DocumentLibraryForm</Display>
+  <Edit>DocumentLibraryForm</Edit>
+  <New>DocumentLibraryForm</New>
+</FormTemplates>
+</file>
+
 <file path=customXml/itemProps1.xml><?xml version="1.0" encoding="utf-8"?>
 <ds:datastoreItem xmlns:ds="http://schemas.openxmlformats.org/officeDocument/2006/customXml" ds:itemID="{BDC207ED-65E3-42A4-9E7E-CC8552FADC59}">
   <ds:schemaRefs>
+    <ds:schemaRef ds:uri="http://schemas.openxmlformats.org/package/2006/metadata/core-properties"/>
+    <ds:schemaRef ds:uri="http://schemas.microsoft.com/office/2006/metadata/properties"/>
+    <ds:schemaRef ds:uri="http://schemas.microsoft.com/office/infopath/2007/PartnerControls"/>
+    <ds:schemaRef ds:uri="http://purl.org/dc/elements/1.1/"/>
+    <ds:schemaRef ds:uri="a74673e6-49b0-477e-9180-497c60e39b2b"/>
+    <ds:schemaRef ds:uri="http://purl.org/dc/dcmitype/"/>
+    <ds:schemaRef ds:uri="http://www.w3.org/XML/1998/namespace"/>
+    <ds:schemaRef ds:uri="http://schemas.microsoft.com/office/2006/documentManagement/types"/>
+    <ds:schemaRef ds:uri="eaac0109-c76f-4150-a5b7-55c6ab159f95"/>
     <ds:schemaRef ds:uri="http://purl.org/dc/terms/"/>
-    <ds:schemaRef ds:uri="http://schemas.microsoft.com/office/2006/documentManagement/types"/>
-    <ds:schemaRef ds:uri="http://schemas.microsoft.com/office/infopath/2007/PartnerControls"/>
-    <ds:schemaRef ds:uri="a74673e6-49b0-477e-9180-497c60e39b2b"/>
-    <ds:schemaRef ds:uri="http://schemas.openxmlformats.org/package/2006/metadata/core-properties"/>
-    <ds:schemaRef ds:uri="http://www.w3.org/XML/1998/namespace"/>
-    <ds:schemaRef ds:uri="eaac0109-c76f-4150-a5b7-55c6ab159f95"/>
-    <ds:schemaRef ds:uri="http://schemas.microsoft.com/office/2006/metadata/properties"/>
-    <ds:schemaRef ds:uri="http://purl.org/dc/dcmitype/"/>
-    <ds:schemaRef ds:uri="http://purl.org/dc/elements/1.1/"/>
   </ds:schemaRefs>
 </ds:datastoreItem>
 </file>
 
 <file path=customXml/itemProps2.xml><?xml version="1.0" encoding="utf-8"?>
-<ds:datastoreItem xmlns:ds="http://schemas.openxmlformats.org/officeDocument/2006/customXml" ds:itemID="{AFF9694F-26EC-4EBE-B928-921F0F0182AA}">
-  <ds:schemaRefs>
-    <ds:schemaRef ds:uri="http://schemas.microsoft.com/sharepoint/v3/contenttype/forms"/>
-  </ds:schemaRefs>
-</ds:datastoreItem>
-</file>
-
-<file path=customXml/itemProps3.xml><?xml version="1.0" encoding="utf-8"?>
 <ds:datastoreItem xmlns:ds="http://schemas.openxmlformats.org/officeDocument/2006/customXml" ds:itemID="{BAD43F45-E734-4B5C-A5D8-7D18AEF2115C}">
   <ds:schemaRefs>
     <ds:schemaRef ds:uri="http://schemas.microsoft.com/office/2006/metadata/contentType"/>
@@ -5571,4 +5563,12 @@
     <ds:schemaRef ds:uri="http://schemas.microsoft.com/internal/obd"/>
   </ds:schemaRefs>
 </ds:datastoreItem>
+</file>
+
+<file path=customXml/itemProps3.xml><?xml version="1.0" encoding="utf-8"?>
+<ds:datastoreItem xmlns:ds="http://schemas.openxmlformats.org/officeDocument/2006/customXml" ds:itemID="{AFF9694F-26EC-4EBE-B928-921F0F0182AA}">
+  <ds:schemaRefs>
+    <ds:schemaRef ds:uri="http://schemas.microsoft.com/sharepoint/v3/contenttype/forms"/>
+  </ds:schemaRefs>
+</ds:datastoreItem>
 </file>
--- a/Weekly Meetings FYP.pptx
+++ b/Weekly Meetings FYP.pptx
@@ -5,14 +5,17 @@
     <p:sldMasterId id="2147483648" r:id="rId4"/>
   </p:sldMasterIdLst>
   <p:notesMasterIdLst>
-    <p:notesMasterId r:id="rId10"/>
+    <p:notesMasterId r:id="rId13"/>
   </p:notesMasterIdLst>
   <p:sldIdLst>
     <p:sldId id="256" r:id="rId5"/>
     <p:sldId id="257" r:id="rId6"/>
-    <p:sldId id="258" r:id="rId7"/>
-    <p:sldId id="260" r:id="rId8"/>
-    <p:sldId id="259" r:id="rId9"/>
+    <p:sldId id="261" r:id="rId7"/>
+    <p:sldId id="258" r:id="rId8"/>
+    <p:sldId id="260" r:id="rId9"/>
+    <p:sldId id="259" r:id="rId10"/>
+    <p:sldId id="262" r:id="rId11"/>
+    <p:sldId id="263" r:id="rId12"/>
   </p:sldIdLst>
   <p:sldSz cx="12192000" cy="6858000"/>
   <p:notesSz cx="6858000" cy="9144000"/>
@@ -117,6 +120,14 @@
     </p:ext>
   </p:extLst>
 </p:presentation>
+</file>
+
+<file path=ppt/revisionInfo.xml><?xml version="1.0" encoding="utf-8"?>
+<p1510:revInfo xmlns:a="http://schemas.openxmlformats.org/drawingml/2006/main" xmlns:r="http://schemas.openxmlformats.org/officeDocument/2006/relationships" xmlns:p1510="http://schemas.microsoft.com/office/powerpoint/2015/10/main">
+  <p1510:revLst>
+    <p1510:client id="{4721505A-33B7-4B55-8AAC-D799A7A2588A}" v="4" dt="2023-05-25T19:07:17.462"/>
+  </p1510:revLst>
+</p1510:revInfo>
 </file>
 
 <file path=ppt/notesMasters/notesMaster1.xml><?xml version="1.0" encoding="utf-8"?>
@@ -533,7 +544,7 @@
           <a:p>
             <a:fld id="{C15E0B61-D602-48A9-970F-DB8A67063440}" type="slidenum">
               <a:rPr lang="en-US" smtClean="0"/>
-              <a:t>3</a:t>
+              <a:t>4</a:t>
             </a:fld>
             <a:endParaRPr lang="en-US"/>
           </a:p>
@@ -4015,7 +4026,7 @@
           <a:p>
             <a:pPr algn="just"/>
             <a:r>
-              <a:rPr lang="en-US" sz="1800" b="0" i="0" dirty="0">
+              <a:rPr lang="en-US" sz="1800" b="1" i="0" dirty="0">
                 <a:effectLst/>
                 <a:latin typeface="Söhne"/>
               </a:rPr>
@@ -4080,7 +4091,7 @@
           <p:cNvPr id="2" name="Title 1">
             <a:extLst>
               <a:ext uri="{FF2B5EF4-FFF2-40B4-BE49-F238E27FC236}">
-                <a16:creationId xmlns:a16="http://schemas.microsoft.com/office/drawing/2014/main" id="{5D063553-9E8F-52A9-2B60-5FBBA84BF65F}"/>
+                <a16:creationId xmlns:a16="http://schemas.microsoft.com/office/drawing/2014/main" id="{50D8842E-3981-A736-5939-42D5C9DCEF7C}"/>
               </a:ext>
             </a:extLst>
           </p:cNvPr>
@@ -4091,58 +4102,75 @@
             <p:ph type="title"/>
           </p:nvPr>
         </p:nvSpPr>
-        <p:spPr/>
+        <p:spPr>
+          <a:xfrm>
+            <a:off x="838200" y="148442"/>
+            <a:ext cx="10515600" cy="1036163"/>
+          </a:xfrm>
+        </p:spPr>
         <p:txBody>
           <a:bodyPr>
+            <a:normAutofit/>
+          </a:bodyPr>
+          <a:lstStyle/>
+          <a:p>
+            <a:r>
+              <a:rPr lang="en-US" sz="2800" i="0" dirty="0">
+                <a:effectLst/>
+              </a:rPr>
+              <a:t>What are the main components of a serial robot?</a:t>
+            </a:r>
+            <a:endParaRPr lang="en-PK" sz="2800" dirty="0"/>
+          </a:p>
+        </p:txBody>
+      </p:sp>
+      <p:sp>
+        <p:nvSpPr>
+          <p:cNvPr id="3" name="Content Placeholder 2">
+            <a:extLst>
+              <a:ext uri="{FF2B5EF4-FFF2-40B4-BE49-F238E27FC236}">
+                <a16:creationId xmlns:a16="http://schemas.microsoft.com/office/drawing/2014/main" id="{A5239E85-716D-EB43-7D66-E64D2A2D3F4E}"/>
+              </a:ext>
+            </a:extLst>
+          </p:cNvPr>
+          <p:cNvSpPr>
+            <a:spLocks noGrp="1"/>
+          </p:cNvSpPr>
+          <p:nvPr>
+            <p:ph idx="1"/>
+          </p:nvPr>
+        </p:nvSpPr>
+        <p:spPr>
+          <a:xfrm>
+            <a:off x="838200" y="1056904"/>
+            <a:ext cx="11013374" cy="5652654"/>
+          </a:xfrm>
+        </p:spPr>
+        <p:txBody>
+          <a:bodyPr numCol="1">
             <a:noAutofit/>
           </a:bodyPr>
           <a:lstStyle/>
           <a:p>
-            <a:r>
-              <a:rPr lang="en-US" sz="2800" dirty="0"/>
-              <a:t>What is difference between Serial and Parallel robotic manipulator?</a:t>
-            </a:r>
-            <a:br>
-              <a:rPr lang="en-US" sz="2800" dirty="0"/>
-            </a:br>
-            <a:br>
-              <a:rPr lang="en-US" sz="2800" dirty="0"/>
-            </a:br>
+            <a:pPr marL="0" indent="0" algn="l">
+              <a:lnSpc>
+                <a:spcPct val="100000"/>
+              </a:lnSpc>
+              <a:buNone/>
+            </a:pPr>
             <a:r>
               <a:rPr lang="en-US" sz="1600" b="0" i="0" dirty="0">
                 <a:effectLst/>
                 <a:latin typeface="Söhne"/>
               </a:rPr>
-              <a:t>The main difference between serial and parallel robotic manipulators lies in their structural design and the way they achieve motion.</a:t>
-            </a:r>
-            <a:endParaRPr lang="en-US" sz="2800" dirty="0"/>
-          </a:p>
-        </p:txBody>
-      </p:sp>
-      <p:sp>
-        <p:nvSpPr>
-          <p:cNvPr id="3" name="Content Placeholder 2">
-            <a:extLst>
-              <a:ext uri="{FF2B5EF4-FFF2-40B4-BE49-F238E27FC236}">
-                <a16:creationId xmlns:a16="http://schemas.microsoft.com/office/drawing/2014/main" id="{24C1AE2E-3F87-B2F3-879C-002D014B0A67}"/>
-              </a:ext>
-            </a:extLst>
-          </p:cNvPr>
-          <p:cNvSpPr>
-            <a:spLocks noGrp="1"/>
-          </p:cNvSpPr>
-          <p:nvPr>
-            <p:ph sz="half" idx="1"/>
-          </p:nvPr>
-        </p:nvSpPr>
-        <p:spPr/>
-        <p:txBody>
-          <a:bodyPr>
-            <a:noAutofit/>
-          </a:bodyPr>
-          <a:lstStyle/>
-          <a:p>
-            <a:pPr algn="l">
+              <a:t>The main components of a serial robot, also known as a serial manipulator or robot arm, typically include:</a:t>
+            </a:r>
+          </a:p>
+          <a:p>
+            <a:pPr algn="just">
+              <a:lnSpc>
+                <a:spcPct val="100000"/>
+              </a:lnSpc>
               <a:buFont typeface="+mj-lt"/>
               <a:buAutoNum type="arabicPeriod"/>
             </a:pPr>
@@ -4151,230 +4179,160 @@
                 <a:effectLst/>
                 <a:latin typeface="Söhne"/>
               </a:rPr>
-              <a:t>Serial Manipulator: </a:t>
+              <a:t>Base: </a:t>
             </a:r>
             <a:r>
               <a:rPr lang="en-US" sz="1600" b="0" i="0" dirty="0">
                 <a:effectLst/>
                 <a:latin typeface="Söhne"/>
               </a:rPr>
-              <a:t>A serial manipulator, also known as a serial robot, is a type of robotic manipulator where the links or segments of the robot are </a:t>
-            </a:r>
+              <a:t>The base provides stability and serves as the foundation of the robot. It is the fixed or stationary part of the robot that houses the actuators, control systems, and power supply.</a:t>
+            </a:r>
+          </a:p>
+          <a:p>
+            <a:pPr algn="just">
+              <a:lnSpc>
+                <a:spcPct val="100000"/>
+              </a:lnSpc>
+              <a:buFont typeface="+mj-lt"/>
+              <a:buAutoNum type="arabicPeriod"/>
+            </a:pPr>
             <a:r>
               <a:rPr lang="en-US" sz="1600" b="1" i="0" dirty="0">
                 <a:effectLst/>
                 <a:latin typeface="Söhne"/>
               </a:rPr>
-              <a:t>connected in a linear chain, one after the other. </a:t>
+              <a:t>Joints: </a:t>
             </a:r>
             <a:r>
               <a:rPr lang="en-US" sz="1600" b="0" i="0" dirty="0">
                 <a:effectLst/>
                 <a:latin typeface="Söhne"/>
               </a:rPr>
-              <a:t>This means that each joint of the robot is </a:t>
-            </a:r>
-            <a:r>
-              <a:rPr lang="en-US" sz="1600" i="0" dirty="0">
+              <a:t>Joints are the movable connections that allow the robot's links to articulate and change their relative positions. The type of joints used depends on the desired range of motion and application requirements. Common joint types include revolute (rotational), prismatic (linear), and combinations of these.</a:t>
+            </a:r>
+          </a:p>
+          <a:p>
+            <a:pPr algn="just">
+              <a:lnSpc>
+                <a:spcPct val="100000"/>
+              </a:lnSpc>
+              <a:buFont typeface="+mj-lt"/>
+              <a:buAutoNum type="arabicPeriod"/>
+            </a:pPr>
+            <a:r>
+              <a:rPr lang="en-US" sz="1600" b="1" i="0" dirty="0">
                 <a:effectLst/>
                 <a:latin typeface="Söhne"/>
               </a:rPr>
-              <a:t>actuated independently</a:t>
+              <a:t>Links: </a:t>
             </a:r>
             <a:r>
               <a:rPr lang="en-US" sz="1600" b="0" i="0" dirty="0">
                 <a:effectLst/>
                 <a:latin typeface="Söhne"/>
               </a:rPr>
-              <a:t>, and the </a:t>
-            </a:r>
+              <a:t>Links are rigid structural elements that connect the joints of the robot. They determine the overall shape, reach, and workspace of the robot. Links can vary in length, shape, and material, depending on the specific robot design.</a:t>
+            </a:r>
+          </a:p>
+          <a:p>
+            <a:pPr algn="just">
+              <a:lnSpc>
+                <a:spcPct val="100000"/>
+              </a:lnSpc>
+              <a:buFont typeface="+mj-lt"/>
+              <a:buAutoNum type="arabicPeriod"/>
+            </a:pPr>
             <a:r>
               <a:rPr lang="en-US" sz="1600" b="1" i="0" dirty="0">
                 <a:effectLst/>
                 <a:latin typeface="Söhne"/>
               </a:rPr>
-              <a:t>motion is transmitted serially </a:t>
+              <a:t>End Effector: </a:t>
             </a:r>
             <a:r>
               <a:rPr lang="en-US" sz="1600" b="0" i="0" dirty="0">
                 <a:effectLst/>
                 <a:latin typeface="Söhne"/>
               </a:rPr>
-              <a:t>from the base to the end effector. Serial manipulators are commonly used in industrial robotic arms. Examples include the popular 6-axis robotic arms found in manufacturing applications. Advantages of serial manipulators:</a:t>
-            </a:r>
-            <a:endParaRPr lang="en-US" sz="1400" b="0" i="0" dirty="0">
-              <a:effectLst/>
-              <a:latin typeface="Söhne"/>
-            </a:endParaRPr>
-          </a:p>
-          <a:p>
-            <a:pPr lvl="1"/>
-            <a:r>
-              <a:rPr lang="en-US" sz="1400" b="0" i="0" dirty="0">
-                <a:effectLst/>
-                <a:latin typeface="Söhne"/>
-              </a:rPr>
-              <a:t>Precise control over individual joints.</a:t>
-            </a:r>
-          </a:p>
-          <a:p>
-            <a:pPr lvl="1"/>
-            <a:r>
-              <a:rPr lang="en-US" sz="1400" b="0" i="0" dirty="0">
-                <a:effectLst/>
-                <a:latin typeface="Söhne"/>
-              </a:rPr>
-              <a:t>More flexibility in terms of workspace and reach.</a:t>
-            </a:r>
-          </a:p>
-          <a:p>
-            <a:pPr lvl="1"/>
-            <a:r>
-              <a:rPr lang="en-US" sz="1400" b="0" i="0" dirty="0">
-                <a:effectLst/>
-                <a:latin typeface="Söhne"/>
-              </a:rPr>
-              <a:t>Easier to program for a wide range of tasks.</a:t>
-            </a:r>
-          </a:p>
-          <a:p>
-            <a:pPr lvl="1"/>
-            <a:r>
-              <a:rPr lang="en-US" sz="1400" b="0" i="0" dirty="0">
-                <a:effectLst/>
-                <a:latin typeface="Söhne"/>
-              </a:rPr>
-              <a:t>Generally simpler kinematics and control algorithms.</a:t>
-            </a:r>
-          </a:p>
-        </p:txBody>
-      </p:sp>
-      <p:sp>
-        <p:nvSpPr>
-          <p:cNvPr id="7" name="Content Placeholder 6">
-            <a:extLst>
-              <a:ext uri="{FF2B5EF4-FFF2-40B4-BE49-F238E27FC236}">
-                <a16:creationId xmlns:a16="http://schemas.microsoft.com/office/drawing/2014/main" id="{DECA1970-7F5C-F627-76DB-9C147EE0341C}"/>
-              </a:ext>
-            </a:extLst>
-          </p:cNvPr>
-          <p:cNvSpPr>
-            <a:spLocks noGrp="1"/>
-          </p:cNvSpPr>
-          <p:nvPr>
-            <p:ph sz="half" idx="2"/>
-          </p:nvPr>
-        </p:nvSpPr>
-        <p:spPr/>
-        <p:txBody>
-          <a:bodyPr>
-            <a:normAutofit/>
-          </a:bodyPr>
-          <a:lstStyle/>
-          <a:p>
-            <a:pPr algn="l">
+              <a:t>The end effector is the tool or device attached to the last link of the robot. It interacts with the environment and performs specific tasks such as gripping, welding, or sensing. The end effector can be customized based on the intended application, and it often includes mechanisms like grippers, cameras, or specialized tools.</a:t>
+            </a:r>
+          </a:p>
+          <a:p>
+            <a:pPr algn="just">
+              <a:lnSpc>
+                <a:spcPct val="100000"/>
+              </a:lnSpc>
               <a:buFont typeface="+mj-lt"/>
-              <a:buAutoNum type="arabicPeriod" startAt="2"/>
+              <a:buAutoNum type="arabicPeriod"/>
             </a:pPr>
             <a:r>
               <a:rPr lang="en-US" sz="1600" b="1" i="0" dirty="0">
                 <a:effectLst/>
                 <a:latin typeface="Söhne"/>
               </a:rPr>
-              <a:t>Parallel Manipulator: </a:t>
+              <a:t>Actuators: </a:t>
             </a:r>
             <a:r>
               <a:rPr lang="en-US" sz="1600" b="0" i="0" dirty="0">
                 <a:effectLst/>
                 <a:latin typeface="Söhne"/>
               </a:rPr>
-              <a:t>A parallel manipulator, as the name suggests, involves </a:t>
-            </a:r>
+              <a:t>Actuators provide the necessary force and motion to drive the robot's joints. They can be electric motors, hydraulic or pneumatic cylinders, or other types of actuators depending on the robot's size, precision, and power requirements.</a:t>
+            </a:r>
+          </a:p>
+          <a:p>
+            <a:pPr algn="just">
+              <a:lnSpc>
+                <a:spcPct val="100000"/>
+              </a:lnSpc>
+              <a:buFont typeface="+mj-lt"/>
+              <a:buAutoNum type="arabicPeriod"/>
+            </a:pPr>
             <a:r>
               <a:rPr lang="en-US" sz="1600" b="1" i="0" dirty="0">
                 <a:effectLst/>
                 <a:latin typeface="Söhne"/>
               </a:rPr>
-              <a:t>multiple kinematic chains or limbs that are connected in parallel</a:t>
+              <a:t>Sensors: </a:t>
             </a:r>
             <a:r>
               <a:rPr lang="en-US" sz="1600" b="0" i="0" dirty="0">
                 <a:effectLst/>
                 <a:latin typeface="Söhne"/>
               </a:rPr>
-              <a:t>. This means that the end effector is supported and moved by multiple actuators and linkages simultaneously. </a:t>
-            </a:r>
+              <a:t>Sensors play a crucial role in robotic systems. They provide feedback and information about the robot's environment, position, forces, and other variables. Common sensors used in serial robots include encoders for joint position feedback, force/torque sensors, proximity sensors, and vision systems.</a:t>
+            </a:r>
+          </a:p>
+          <a:p>
+            <a:pPr algn="just">
+              <a:lnSpc>
+                <a:spcPct val="100000"/>
+              </a:lnSpc>
+              <a:buFont typeface="+mj-lt"/>
+              <a:buAutoNum type="arabicPeriod"/>
+            </a:pPr>
             <a:r>
               <a:rPr lang="en-US" sz="1600" b="1" i="0" dirty="0">
                 <a:effectLst/>
                 <a:latin typeface="Söhne"/>
               </a:rPr>
-              <a:t>The actuators and linkages work together in a coordinated manner to control the motion of the end effector</a:t>
+              <a:t>Control System: </a:t>
             </a:r>
             <a:r>
               <a:rPr lang="en-US" sz="1600" b="0" i="0" dirty="0">
                 <a:effectLst/>
                 <a:latin typeface="Söhne"/>
               </a:rPr>
-              <a:t>. Parallel manipulators are often used in applications where high precision, stiffness, or specific force distribution is required. Advantages of parallel manipulators:</a:t>
-            </a:r>
-            <a:endParaRPr lang="en-US" sz="1400" b="0" i="0" dirty="0">
-              <a:effectLst/>
-              <a:latin typeface="Söhne"/>
-            </a:endParaRPr>
-          </a:p>
-          <a:p>
-            <a:pPr lvl="1"/>
-            <a:r>
-              <a:rPr lang="en-US" sz="1400" b="0" i="0" dirty="0">
-                <a:effectLst/>
-                <a:latin typeface="Söhne"/>
-              </a:rPr>
-              <a:t>High rigidity and stiffness due to multiple actuators and linkages.</a:t>
-            </a:r>
-          </a:p>
-          <a:p>
-            <a:pPr lvl="1"/>
-            <a:r>
-              <a:rPr lang="en-US" sz="1400" b="0" i="0" dirty="0">
-                <a:effectLst/>
-                <a:latin typeface="Söhne"/>
-              </a:rPr>
-              <a:t>Enhanced precision and accuracy in certain applications.</a:t>
-            </a:r>
-          </a:p>
-          <a:p>
-            <a:pPr lvl="1"/>
-            <a:r>
-              <a:rPr lang="en-US" sz="1400" b="0" i="0" dirty="0">
-                <a:effectLst/>
-                <a:latin typeface="Söhne"/>
-              </a:rPr>
-              <a:t>Better force distribution capabilities.</a:t>
-            </a:r>
-          </a:p>
-          <a:p>
-            <a:pPr lvl="1"/>
-            <a:r>
-              <a:rPr lang="en-US" sz="1400" b="0" i="0" dirty="0">
-                <a:effectLst/>
-                <a:latin typeface="Söhne"/>
-              </a:rPr>
-              <a:t>Faster response and dynamic performance.</a:t>
-            </a:r>
-          </a:p>
-          <a:p>
-            <a:pPr marL="0" indent="0">
-              <a:buNone/>
-            </a:pPr>
-            <a:endParaRPr lang="en-US" sz="1600" dirty="0"/>
+              <a:t>The control system includes hardware and software components responsible for controlling the motion, operation, and behavior of the robot. It processes sensor data, generates control signals for the actuators, and implements control algorithms to achieve desired motions or perform tasks.</a:t>
+            </a:r>
           </a:p>
         </p:txBody>
       </p:sp>
     </p:spTree>
     <p:extLst>
       <p:ext uri="{BB962C8B-B14F-4D97-AF65-F5344CB8AC3E}">
-        <p14:creationId xmlns:p14="http://schemas.microsoft.com/office/powerpoint/2010/main" val="109477315"/>
+        <p14:creationId xmlns:p14="http://schemas.microsoft.com/office/powerpoint/2010/main" val="841176587"/>
       </p:ext>
     </p:extLst>
   </p:cSld>
@@ -4406,6 +4364,332 @@
           <p:cNvPr id="2" name="Title 1">
             <a:extLst>
               <a:ext uri="{FF2B5EF4-FFF2-40B4-BE49-F238E27FC236}">
+                <a16:creationId xmlns:a16="http://schemas.microsoft.com/office/drawing/2014/main" id="{5D063553-9E8F-52A9-2B60-5FBBA84BF65F}"/>
+              </a:ext>
+            </a:extLst>
+          </p:cNvPr>
+          <p:cNvSpPr>
+            <a:spLocks noGrp="1"/>
+          </p:cNvSpPr>
+          <p:nvPr>
+            <p:ph type="title"/>
+          </p:nvPr>
+        </p:nvSpPr>
+        <p:spPr/>
+        <p:txBody>
+          <a:bodyPr>
+            <a:noAutofit/>
+          </a:bodyPr>
+          <a:lstStyle/>
+          <a:p>
+            <a:r>
+              <a:rPr lang="en-US" sz="2800" dirty="0"/>
+              <a:t>What is difference between Serial and Parallel robotic manipulator?</a:t>
+            </a:r>
+            <a:br>
+              <a:rPr lang="en-US" sz="2800" dirty="0"/>
+            </a:br>
+            <a:br>
+              <a:rPr lang="en-US" sz="2800" dirty="0"/>
+            </a:br>
+            <a:r>
+              <a:rPr lang="en-US" sz="1600" b="0" i="0" dirty="0">
+                <a:effectLst/>
+                <a:latin typeface="Söhne"/>
+              </a:rPr>
+              <a:t>The main difference between serial and parallel robotic manipulators lies in their structural design and the way they achieve motion.</a:t>
+            </a:r>
+            <a:endParaRPr lang="en-US" sz="2800" dirty="0"/>
+          </a:p>
+        </p:txBody>
+      </p:sp>
+      <p:sp>
+        <p:nvSpPr>
+          <p:cNvPr id="3" name="Content Placeholder 2">
+            <a:extLst>
+              <a:ext uri="{FF2B5EF4-FFF2-40B4-BE49-F238E27FC236}">
+                <a16:creationId xmlns:a16="http://schemas.microsoft.com/office/drawing/2014/main" id="{24C1AE2E-3F87-B2F3-879C-002D014B0A67}"/>
+              </a:ext>
+            </a:extLst>
+          </p:cNvPr>
+          <p:cNvSpPr>
+            <a:spLocks noGrp="1"/>
+          </p:cNvSpPr>
+          <p:nvPr>
+            <p:ph sz="half" idx="1"/>
+          </p:nvPr>
+        </p:nvSpPr>
+        <p:spPr/>
+        <p:txBody>
+          <a:bodyPr>
+            <a:noAutofit/>
+          </a:bodyPr>
+          <a:lstStyle/>
+          <a:p>
+            <a:pPr algn="l">
+              <a:buFont typeface="+mj-lt"/>
+              <a:buAutoNum type="arabicPeriod"/>
+            </a:pPr>
+            <a:r>
+              <a:rPr lang="en-US" sz="1600" b="1" i="0" dirty="0">
+                <a:effectLst/>
+                <a:latin typeface="Söhne"/>
+              </a:rPr>
+              <a:t>Serial Manipulator: </a:t>
+            </a:r>
+            <a:r>
+              <a:rPr lang="en-US" sz="1600" b="0" i="0" dirty="0">
+                <a:effectLst/>
+                <a:latin typeface="Söhne"/>
+              </a:rPr>
+              <a:t>A serial manipulator, also known as a serial robot, is a type of robotic manipulator where the </a:t>
+            </a:r>
+            <a:r>
+              <a:rPr lang="en-US" sz="1600" b="1" i="0" dirty="0">
+                <a:effectLst/>
+                <a:latin typeface="Söhne"/>
+              </a:rPr>
+              <a:t>links or segments of the robot are connected in a linear chain, one after the other. </a:t>
+            </a:r>
+            <a:r>
+              <a:rPr lang="en-US" sz="1600" b="0" i="0" dirty="0">
+                <a:effectLst/>
+                <a:latin typeface="Söhne"/>
+              </a:rPr>
+              <a:t>This means that each joint of the robot is </a:t>
+            </a:r>
+            <a:r>
+              <a:rPr lang="en-US" sz="1600" i="0" dirty="0">
+                <a:effectLst/>
+                <a:latin typeface="Söhne"/>
+              </a:rPr>
+              <a:t>actuated independently</a:t>
+            </a:r>
+            <a:r>
+              <a:rPr lang="en-US" sz="1600" b="0" i="0" dirty="0">
+                <a:effectLst/>
+                <a:latin typeface="Söhne"/>
+              </a:rPr>
+              <a:t>, and the </a:t>
+            </a:r>
+            <a:r>
+              <a:rPr lang="en-US" sz="1600" b="1" i="0" dirty="0">
+                <a:effectLst/>
+                <a:latin typeface="Söhne"/>
+              </a:rPr>
+              <a:t>motion is transmitted serially </a:t>
+            </a:r>
+            <a:r>
+              <a:rPr lang="en-US" sz="1600" b="0" i="0" dirty="0">
+                <a:effectLst/>
+                <a:latin typeface="Söhne"/>
+              </a:rPr>
+              <a:t>from the base to the end effector. Serial manipulators are commonly used in industrial robotic arms. Examples include the popular 6-axis robotic arms found in manufacturing applications. Advantages of serial manipulators:</a:t>
+            </a:r>
+            <a:endParaRPr lang="en-US" sz="1400" b="0" i="0" dirty="0">
+              <a:effectLst/>
+              <a:latin typeface="Söhne"/>
+            </a:endParaRPr>
+          </a:p>
+          <a:p>
+            <a:pPr lvl="1"/>
+            <a:r>
+              <a:rPr lang="en-US" sz="1400" b="0" i="0" dirty="0">
+                <a:effectLst/>
+                <a:latin typeface="Söhne"/>
+              </a:rPr>
+              <a:t>Precise control over individual joints.</a:t>
+            </a:r>
+          </a:p>
+          <a:p>
+            <a:pPr lvl="1"/>
+            <a:r>
+              <a:rPr lang="en-US" sz="1400" b="0" i="0" dirty="0">
+                <a:effectLst/>
+                <a:latin typeface="Söhne"/>
+              </a:rPr>
+              <a:t>More flexibility in terms of workspace and reach.</a:t>
+            </a:r>
+          </a:p>
+          <a:p>
+            <a:pPr lvl="1"/>
+            <a:r>
+              <a:rPr lang="en-US" sz="1400" b="0" i="0" dirty="0">
+                <a:effectLst/>
+                <a:latin typeface="Söhne"/>
+              </a:rPr>
+              <a:t>Easier to program for a wide range of tasks.</a:t>
+            </a:r>
+          </a:p>
+          <a:p>
+            <a:pPr lvl="1"/>
+            <a:r>
+              <a:rPr lang="en-US" sz="1400" b="0" i="0" dirty="0">
+                <a:effectLst/>
+                <a:latin typeface="Söhne"/>
+              </a:rPr>
+              <a:t>Generally simpler kinematics and control algorithms.</a:t>
+            </a:r>
+          </a:p>
+        </p:txBody>
+      </p:sp>
+      <p:sp>
+        <p:nvSpPr>
+          <p:cNvPr id="7" name="Content Placeholder 6">
+            <a:extLst>
+              <a:ext uri="{FF2B5EF4-FFF2-40B4-BE49-F238E27FC236}">
+                <a16:creationId xmlns:a16="http://schemas.microsoft.com/office/drawing/2014/main" id="{DECA1970-7F5C-F627-76DB-9C147EE0341C}"/>
+              </a:ext>
+            </a:extLst>
+          </p:cNvPr>
+          <p:cNvSpPr>
+            <a:spLocks noGrp="1"/>
+          </p:cNvSpPr>
+          <p:nvPr>
+            <p:ph sz="half" idx="2"/>
+          </p:nvPr>
+        </p:nvSpPr>
+        <p:spPr/>
+        <p:txBody>
+          <a:bodyPr>
+            <a:normAutofit/>
+          </a:bodyPr>
+          <a:lstStyle/>
+          <a:p>
+            <a:pPr algn="l">
+              <a:buFont typeface="+mj-lt"/>
+              <a:buAutoNum type="arabicPeriod" startAt="2"/>
+            </a:pPr>
+            <a:r>
+              <a:rPr lang="en-US" sz="1600" b="1" i="0" dirty="0">
+                <a:effectLst/>
+                <a:latin typeface="Söhne"/>
+              </a:rPr>
+              <a:t>Parallel Manipulator: </a:t>
+            </a:r>
+            <a:r>
+              <a:rPr lang="en-US" sz="1600" b="0" i="0" dirty="0">
+                <a:effectLst/>
+                <a:latin typeface="Söhne"/>
+              </a:rPr>
+              <a:t>A parallel manipulator, as the name suggests, involves </a:t>
+            </a:r>
+            <a:r>
+              <a:rPr lang="en-US" sz="1600" b="1" i="0" dirty="0">
+                <a:effectLst/>
+                <a:latin typeface="Söhne"/>
+              </a:rPr>
+              <a:t>multiple kinematic chains or limbs that are connected in parallel</a:t>
+            </a:r>
+            <a:r>
+              <a:rPr lang="en-US" sz="1600" b="0" i="0" dirty="0">
+                <a:effectLst/>
+                <a:latin typeface="Söhne"/>
+              </a:rPr>
+              <a:t>. This means that the end effector is supported and moved by multiple actuators and linkages simultaneously. </a:t>
+            </a:r>
+            <a:r>
+              <a:rPr lang="en-US" sz="1600" b="1" i="0" dirty="0">
+                <a:effectLst/>
+                <a:latin typeface="Söhne"/>
+              </a:rPr>
+              <a:t>The actuators and linkages work together in a coordinated manner to control the motion of the end effector</a:t>
+            </a:r>
+            <a:r>
+              <a:rPr lang="en-US" sz="1600" b="0" i="0" dirty="0">
+                <a:effectLst/>
+                <a:latin typeface="Söhne"/>
+              </a:rPr>
+              <a:t>. Parallel manipulators are often used in applications where high precision, stiffness, or specific force distribution is required. Advantages of parallel manipulators:</a:t>
+            </a:r>
+            <a:endParaRPr lang="en-US" sz="1400" b="0" i="0" dirty="0">
+              <a:effectLst/>
+              <a:latin typeface="Söhne"/>
+            </a:endParaRPr>
+          </a:p>
+          <a:p>
+            <a:pPr lvl="1"/>
+            <a:r>
+              <a:rPr lang="en-US" sz="1400" b="0" i="0" dirty="0">
+                <a:effectLst/>
+                <a:latin typeface="Söhne"/>
+              </a:rPr>
+              <a:t>High rigidity and stiffness due to multiple actuators and linkages.</a:t>
+            </a:r>
+          </a:p>
+          <a:p>
+            <a:pPr lvl="1"/>
+            <a:r>
+              <a:rPr lang="en-US" sz="1400" b="0" i="0" dirty="0">
+                <a:effectLst/>
+                <a:latin typeface="Söhne"/>
+              </a:rPr>
+              <a:t>Enhanced precision and accuracy in certain applications.</a:t>
+            </a:r>
+          </a:p>
+          <a:p>
+            <a:pPr lvl="1"/>
+            <a:r>
+              <a:rPr lang="en-US" sz="1400" b="0" i="0" dirty="0">
+                <a:effectLst/>
+                <a:latin typeface="Söhne"/>
+              </a:rPr>
+              <a:t>Better force distribution capabilities.</a:t>
+            </a:r>
+          </a:p>
+          <a:p>
+            <a:pPr lvl="1"/>
+            <a:r>
+              <a:rPr lang="en-US" sz="1400" b="0" i="0" dirty="0">
+                <a:effectLst/>
+                <a:latin typeface="Söhne"/>
+              </a:rPr>
+              <a:t>Faster response and dynamic performance.</a:t>
+            </a:r>
+          </a:p>
+          <a:p>
+            <a:pPr marL="0" indent="0">
+              <a:buNone/>
+            </a:pPr>
+            <a:endParaRPr lang="en-US" sz="1600" dirty="0"/>
+          </a:p>
+        </p:txBody>
+      </p:sp>
+    </p:spTree>
+    <p:extLst>
+      <p:ext uri="{BB962C8B-B14F-4D97-AF65-F5344CB8AC3E}">
+        <p14:creationId xmlns:p14="http://schemas.microsoft.com/office/powerpoint/2010/main" val="109477315"/>
+      </p:ext>
+    </p:extLst>
+  </p:cSld>
+  <p:clrMapOvr>
+    <a:masterClrMapping/>
+  </p:clrMapOvr>
+</p:sld>
+</file>
+
+<file path=ppt/slides/slide5.xml><?xml version="1.0" encoding="utf-8"?>
+<p:sld xmlns:a="http://schemas.openxmlformats.org/drawingml/2006/main" xmlns:r="http://schemas.openxmlformats.org/officeDocument/2006/relationships" xmlns:p="http://schemas.openxmlformats.org/presentationml/2006/main">
+  <p:cSld>
+    <p:spTree>
+      <p:nvGrpSpPr>
+        <p:cNvPr id="1" name=""/>
+        <p:cNvGrpSpPr/>
+        <p:nvPr/>
+      </p:nvGrpSpPr>
+      <p:grpSpPr>
+        <a:xfrm>
+          <a:off x="0" y="0"/>
+          <a:ext cx="0" cy="0"/>
+          <a:chOff x="0" y="0"/>
+          <a:chExt cx="0" cy="0"/>
+        </a:xfrm>
+      </p:grpSpPr>
+      <p:sp>
+        <p:nvSpPr>
+          <p:cNvPr id="2" name="Title 1">
+            <a:extLst>
+              <a:ext uri="{FF2B5EF4-FFF2-40B4-BE49-F238E27FC236}">
                 <a16:creationId xmlns:a16="http://schemas.microsoft.com/office/drawing/2014/main" id="{CD8CE8DA-467C-D3C4-D0B8-4A35570EE280}"/>
               </a:ext>
             </a:extLst>
@@ -4493,7 +4777,7 @@
           <a:lstStyle/>
           <a:p>
             <a:r>
-              <a:rPr lang="en-US" sz="2000" dirty="0"/>
+              <a:rPr lang="en-US" sz="2400" dirty="0"/>
               <a:t>Parallel Manipulator</a:t>
             </a:r>
           </a:p>
@@ -4592,7 +4876,7 @@
 </p:sld>
 </file>
 
-<file path=ppt/slides/slide5.xml><?xml version="1.0" encoding="utf-8"?>
+<file path=ppt/slides/slide6.xml><?xml version="1.0" encoding="utf-8"?>
 <p:sld xmlns:a="http://schemas.openxmlformats.org/drawingml/2006/main" xmlns:r="http://schemas.openxmlformats.org/officeDocument/2006/relationships" xmlns:p="http://schemas.openxmlformats.org/presentationml/2006/main">
   <p:cSld>
     <p:spTree>
@@ -4704,6 +4988,296 @@
     <p:extLst>
       <p:ext uri="{BB962C8B-B14F-4D97-AF65-F5344CB8AC3E}">
         <p14:creationId xmlns:p14="http://schemas.microsoft.com/office/powerpoint/2010/main" val="4126804757"/>
+      </p:ext>
+    </p:extLst>
+  </p:cSld>
+  <p:clrMapOvr>
+    <a:masterClrMapping/>
+  </p:clrMapOvr>
+</p:sld>
+</file>
+
+<file path=ppt/slides/slide7.xml><?xml version="1.0" encoding="utf-8"?>
+<p:sld xmlns:a="http://schemas.openxmlformats.org/drawingml/2006/main" xmlns:r="http://schemas.openxmlformats.org/officeDocument/2006/relationships" xmlns:p="http://schemas.openxmlformats.org/presentationml/2006/main">
+  <p:cSld>
+    <p:spTree>
+      <p:nvGrpSpPr>
+        <p:cNvPr id="1" name=""/>
+        <p:cNvGrpSpPr/>
+        <p:nvPr/>
+      </p:nvGrpSpPr>
+      <p:grpSpPr>
+        <a:xfrm>
+          <a:off x="0" y="0"/>
+          <a:ext cx="0" cy="0"/>
+          <a:chOff x="0" y="0"/>
+          <a:chExt cx="0" cy="0"/>
+        </a:xfrm>
+      </p:grpSpPr>
+      <p:sp>
+        <p:nvSpPr>
+          <p:cNvPr id="2" name="Title 1">
+            <a:extLst>
+              <a:ext uri="{FF2B5EF4-FFF2-40B4-BE49-F238E27FC236}">
+                <a16:creationId xmlns:a16="http://schemas.microsoft.com/office/drawing/2014/main" id="{4C7E16C6-2575-9B97-6A08-1C02D815C769}"/>
+              </a:ext>
+            </a:extLst>
+          </p:cNvPr>
+          <p:cNvSpPr>
+            <a:spLocks noGrp="1"/>
+          </p:cNvSpPr>
+          <p:nvPr>
+            <p:ph type="title"/>
+          </p:nvPr>
+        </p:nvSpPr>
+        <p:spPr>
+          <a:xfrm>
+            <a:off x="838200" y="365126"/>
+            <a:ext cx="10515600" cy="739280"/>
+          </a:xfrm>
+        </p:spPr>
+        <p:txBody>
+          <a:bodyPr>
+            <a:normAutofit/>
+          </a:bodyPr>
+          <a:lstStyle/>
+          <a:p>
+            <a:r>
+              <a:rPr lang="en-US" sz="2800" dirty="0"/>
+              <a:t>Types of Joints</a:t>
+            </a:r>
+            <a:endParaRPr lang="en-PK" sz="2800" dirty="0"/>
+          </a:p>
+        </p:txBody>
+      </p:sp>
+      <p:sp>
+        <p:nvSpPr>
+          <p:cNvPr id="7" name="Content Placeholder 6">
+            <a:extLst>
+              <a:ext uri="{FF2B5EF4-FFF2-40B4-BE49-F238E27FC236}">
+                <a16:creationId xmlns:a16="http://schemas.microsoft.com/office/drawing/2014/main" id="{E7562000-7236-299C-91FC-0BA2C9D9CFBE}"/>
+              </a:ext>
+            </a:extLst>
+          </p:cNvPr>
+          <p:cNvSpPr>
+            <a:spLocks noGrp="1"/>
+          </p:cNvSpPr>
+          <p:nvPr>
+            <p:ph idx="1"/>
+          </p:nvPr>
+        </p:nvSpPr>
+        <p:spPr>
+          <a:xfrm>
+            <a:off x="838200" y="1253330"/>
+            <a:ext cx="9479844" cy="1309247"/>
+          </a:xfrm>
+        </p:spPr>
+        <p:txBody>
+          <a:bodyPr>
+            <a:normAutofit/>
+          </a:bodyPr>
+          <a:lstStyle/>
+          <a:p>
+            <a:pPr algn="l">
+              <a:buFont typeface="+mj-lt"/>
+              <a:buAutoNum type="arabicPeriod"/>
+            </a:pPr>
+            <a:r>
+              <a:rPr lang="en-US" sz="1600" b="1" i="0" dirty="0">
+                <a:effectLst/>
+                <a:latin typeface="Söhne"/>
+              </a:rPr>
+              <a:t>Revolute Joint: </a:t>
+            </a:r>
+            <a:r>
+              <a:rPr lang="en-US" sz="1600" b="0" i="0" dirty="0">
+                <a:effectLst/>
+                <a:latin typeface="Söhne"/>
+              </a:rPr>
+              <a:t>This is a rotary joint that allows rotational motion around a single axis. It is often referred to as a "hinge" or "rotational" joint. Examples include the joints in a human arm or the wheels of a car.</a:t>
+            </a:r>
+          </a:p>
+          <a:p>
+            <a:pPr algn="l">
+              <a:buFont typeface="+mj-lt"/>
+              <a:buAutoNum type="arabicPeriod"/>
+            </a:pPr>
+            <a:r>
+              <a:rPr lang="en-US" sz="1600" b="1" dirty="0">
+                <a:latin typeface="Söhne"/>
+              </a:rPr>
+              <a:t>Prismatic</a:t>
+            </a:r>
+            <a:r>
+              <a:rPr lang="en-US" sz="1600" b="1" i="0" dirty="0">
+                <a:effectLst/>
+                <a:latin typeface="Söhne"/>
+              </a:rPr>
+              <a:t> Joint: </a:t>
+            </a:r>
+            <a:r>
+              <a:rPr lang="en-US" sz="1600" b="0" i="0" dirty="0">
+                <a:effectLst/>
+                <a:latin typeface="Söhne"/>
+              </a:rPr>
+              <a:t>This joint allows linear motion along a single axis. It is also known as a "slider" or "translational" joint. An example is a sliding drawer or a telescopic antenna.</a:t>
+            </a:r>
+          </a:p>
+        </p:txBody>
+      </p:sp>
+      <p:pic>
+        <p:nvPicPr>
+          <p:cNvPr id="18" name="Picture 17" descr="A picture containing text, screenshot, diagram, map&#10;&#10;Description automatically generated">
+            <a:extLst>
+              <a:ext uri="{FF2B5EF4-FFF2-40B4-BE49-F238E27FC236}">
+                <a16:creationId xmlns:a16="http://schemas.microsoft.com/office/drawing/2014/main" id="{AC7962B0-65F7-AD78-E154-7FF9C7F1B445}"/>
+              </a:ext>
+            </a:extLst>
+          </p:cNvPr>
+          <p:cNvPicPr>
+            <a:picLocks noChangeAspect="1"/>
+          </p:cNvPicPr>
+          <p:nvPr/>
+        </p:nvPicPr>
+        <p:blipFill>
+          <a:blip r:embed="rId2">
+            <a:extLst>
+              <a:ext uri="{28A0092B-C50C-407E-A947-70E740481C1C}">
+                <a14:useLocalDpi xmlns:a14="http://schemas.microsoft.com/office/drawing/2010/main" val="0"/>
+              </a:ext>
+            </a:extLst>
+          </a:blip>
+          <a:stretch>
+            <a:fillRect/>
+          </a:stretch>
+        </p:blipFill>
+        <p:spPr>
+          <a:xfrm>
+            <a:off x="0" y="2845060"/>
+            <a:ext cx="8840901" cy="4012940"/>
+          </a:xfrm>
+          <a:prstGeom prst="rect">
+            <a:avLst/>
+          </a:prstGeom>
+        </p:spPr>
+      </p:pic>
+    </p:spTree>
+    <p:extLst>
+      <p:ext uri="{BB962C8B-B14F-4D97-AF65-F5344CB8AC3E}">
+        <p14:creationId xmlns:p14="http://schemas.microsoft.com/office/powerpoint/2010/main" val="3304059769"/>
+      </p:ext>
+    </p:extLst>
+  </p:cSld>
+  <p:clrMapOvr>
+    <a:masterClrMapping/>
+  </p:clrMapOvr>
+</p:sld>
+</file>
+
+<file path=ppt/slides/slide8.xml><?xml version="1.0" encoding="utf-8"?>
+<p:sld xmlns:a="http://schemas.openxmlformats.org/drawingml/2006/main" xmlns:r="http://schemas.openxmlformats.org/officeDocument/2006/relationships" xmlns:p="http://schemas.openxmlformats.org/presentationml/2006/main">
+  <p:cSld>
+    <p:spTree>
+      <p:nvGrpSpPr>
+        <p:cNvPr id="1" name=""/>
+        <p:cNvGrpSpPr/>
+        <p:nvPr/>
+      </p:nvGrpSpPr>
+      <p:grpSpPr>
+        <a:xfrm>
+          <a:off x="0" y="0"/>
+          <a:ext cx="0" cy="0"/>
+          <a:chOff x="0" y="0"/>
+          <a:chExt cx="0" cy="0"/>
+        </a:xfrm>
+      </p:grpSpPr>
+      <p:sp>
+        <p:nvSpPr>
+          <p:cNvPr id="2" name="Title 1">
+            <a:extLst>
+              <a:ext uri="{FF2B5EF4-FFF2-40B4-BE49-F238E27FC236}">
+                <a16:creationId xmlns:a16="http://schemas.microsoft.com/office/drawing/2014/main" id="{E216D4EA-7731-DCD7-04DF-E85074F92E7D}"/>
+              </a:ext>
+            </a:extLst>
+          </p:cNvPr>
+          <p:cNvSpPr>
+            <a:spLocks noGrp="1"/>
+          </p:cNvSpPr>
+          <p:nvPr>
+            <p:ph type="title"/>
+          </p:nvPr>
+        </p:nvSpPr>
+        <p:spPr/>
+        <p:txBody>
+          <a:bodyPr>
+            <a:normAutofit/>
+          </a:bodyPr>
+          <a:lstStyle/>
+          <a:p>
+            <a:r>
+              <a:rPr lang="en-US" sz="2800" dirty="0"/>
+              <a:t>What is DOF?</a:t>
+            </a:r>
+            <a:endParaRPr lang="en-PK" sz="2800" dirty="0"/>
+          </a:p>
+        </p:txBody>
+      </p:sp>
+      <p:sp>
+        <p:nvSpPr>
+          <p:cNvPr id="3" name="Content Placeholder 2">
+            <a:extLst>
+              <a:ext uri="{FF2B5EF4-FFF2-40B4-BE49-F238E27FC236}">
+                <a16:creationId xmlns:a16="http://schemas.microsoft.com/office/drawing/2014/main" id="{B2B02EF4-2E50-E74F-0D54-6D5B449C3B9E}"/>
+              </a:ext>
+            </a:extLst>
+          </p:cNvPr>
+          <p:cNvSpPr>
+            <a:spLocks noGrp="1"/>
+          </p:cNvSpPr>
+          <p:nvPr>
+            <p:ph idx="1"/>
+          </p:nvPr>
+        </p:nvSpPr>
+        <p:spPr/>
+        <p:txBody>
+          <a:bodyPr>
+            <a:normAutofit/>
+          </a:bodyPr>
+          <a:lstStyle/>
+          <a:p>
+            <a:r>
+              <a:rPr lang="en-US" sz="1800" b="0" i="0" dirty="0">
+                <a:effectLst/>
+                <a:latin typeface="Söhne"/>
+              </a:rPr>
+              <a:t>DOF stands for "Degrees of Freedom" in the context of robotics and mechanical systems. It refers to the </a:t>
+            </a:r>
+            <a:r>
+              <a:rPr lang="en-US" sz="1800" b="1" i="0" dirty="0">
+                <a:effectLst/>
+                <a:latin typeface="Söhne"/>
+              </a:rPr>
+              <a:t>number of independent variables or parameters that can be controlled or varied to describe the motion or configuration of a system.</a:t>
+            </a:r>
+          </a:p>
+          <a:p>
+            <a:r>
+              <a:rPr lang="en-US" sz="1800" b="0" i="0" dirty="0">
+                <a:effectLst/>
+                <a:latin typeface="Söhne"/>
+              </a:rPr>
+              <a:t>In robotics, DOF represents the number of independent joint variables or axes that a robot possesses. Each degree of freedom corresponds to a specific joint that can move independently. For example, a robot arm with three revolute joints and two prismatic joints would have a total of five degrees of freedom. The DOF determines the range and complexity of motions that a robot can achieve.</a:t>
+            </a:r>
+          </a:p>
+          <a:p>
+            <a:endParaRPr lang="en-PK" dirty="0"/>
+          </a:p>
+        </p:txBody>
+      </p:sp>
+    </p:spTree>
+    <p:extLst>
+      <p:ext uri="{BB962C8B-B14F-4D97-AF65-F5344CB8AC3E}">
+        <p14:creationId xmlns:p14="http://schemas.microsoft.com/office/powerpoint/2010/main" val="1351678686"/>
       </p:ext>
     </p:extLst>
   </p:cSld>
@@ -5304,9 +5878,12 @@
 </file>
 
 <file path=customXml/item1.xml><?xml version="1.0" encoding="utf-8"?>
-<p:properties xmlns:p="http://schemas.microsoft.com/office/2006/metadata/properties" xmlns:xsi="http://www.w3.org/2001/XMLSchema-instance" xmlns:pc="http://schemas.microsoft.com/office/infopath/2007/PartnerControls">
-  <documentManagement/>
-</p:properties>
+<?mso-contentType ?>
+<FormTemplates xmlns="http://schemas.microsoft.com/sharepoint/v3/contenttype/forms">
+  <Display>DocumentLibraryForm</Display>
+  <Edit>DocumentLibraryForm</Edit>
+  <New>DocumentLibraryForm</New>
+</FormTemplates>
 </file>
 
 <file path=customXml/item2.xml><?xml version="1.0" encoding="utf-8"?>
@@ -5521,27 +6098,15 @@
 </file>
 
 <file path=customXml/item3.xml><?xml version="1.0" encoding="utf-8"?>
-<?mso-contentType ?>
-<FormTemplates xmlns="http://schemas.microsoft.com/sharepoint/v3/contenttype/forms">
-  <Display>DocumentLibraryForm</Display>
-  <Edit>DocumentLibraryForm</Edit>
-  <New>DocumentLibraryForm</New>
-</FormTemplates>
+<p:properties xmlns:p="http://schemas.microsoft.com/office/2006/metadata/properties" xmlns:xsi="http://www.w3.org/2001/XMLSchema-instance" xmlns:pc="http://schemas.microsoft.com/office/infopath/2007/PartnerControls">
+  <documentManagement/>
+</p:properties>
 </file>
 
 <file path=customXml/itemProps1.xml><?xml version="1.0" encoding="utf-8"?>
-<ds:datastoreItem xmlns:ds="http://schemas.openxmlformats.org/officeDocument/2006/customXml" ds:itemID="{BDC207ED-65E3-42A4-9E7E-CC8552FADC59}">
+<ds:datastoreItem xmlns:ds="http://schemas.openxmlformats.org/officeDocument/2006/customXml" ds:itemID="{AFF9694F-26EC-4EBE-B928-921F0F0182AA}">
   <ds:schemaRefs>
-    <ds:schemaRef ds:uri="http://schemas.openxmlformats.org/package/2006/metadata/core-properties"/>
-    <ds:schemaRef ds:uri="http://schemas.microsoft.com/office/2006/metadata/properties"/>
-    <ds:schemaRef ds:uri="http://schemas.microsoft.com/office/infopath/2007/PartnerControls"/>
-    <ds:schemaRef ds:uri="http://purl.org/dc/elements/1.1/"/>
-    <ds:schemaRef ds:uri="a74673e6-49b0-477e-9180-497c60e39b2b"/>
-    <ds:schemaRef ds:uri="http://purl.org/dc/dcmitype/"/>
-    <ds:schemaRef ds:uri="http://www.w3.org/XML/1998/namespace"/>
-    <ds:schemaRef ds:uri="http://schemas.microsoft.com/office/2006/documentManagement/types"/>
-    <ds:schemaRef ds:uri="eaac0109-c76f-4150-a5b7-55c6ab159f95"/>
-    <ds:schemaRef ds:uri="http://purl.org/dc/terms/"/>
+    <ds:schemaRef ds:uri="http://schemas.microsoft.com/sharepoint/v3/contenttype/forms"/>
   </ds:schemaRefs>
 </ds:datastoreItem>
 </file>
@@ -5566,9 +6131,18 @@
 </file>
 
 <file path=customXml/itemProps3.xml><?xml version="1.0" encoding="utf-8"?>
-<ds:datastoreItem xmlns:ds="http://schemas.openxmlformats.org/officeDocument/2006/customXml" ds:itemID="{AFF9694F-26EC-4EBE-B928-921F0F0182AA}">
+<ds:datastoreItem xmlns:ds="http://schemas.openxmlformats.org/officeDocument/2006/customXml" ds:itemID="{BDC207ED-65E3-42A4-9E7E-CC8552FADC59}">
   <ds:schemaRefs>
-    <ds:schemaRef ds:uri="http://schemas.microsoft.com/sharepoint/v3/contenttype/forms"/>
+    <ds:schemaRef ds:uri="http://schemas.microsoft.com/office/2006/metadata/properties"/>
+    <ds:schemaRef ds:uri="http://purl.org/dc/elements/1.1/"/>
+    <ds:schemaRef ds:uri="http://schemas.microsoft.com/office/infopath/2007/PartnerControls"/>
+    <ds:schemaRef ds:uri="http://www.w3.org/XML/1998/namespace"/>
+    <ds:schemaRef ds:uri="http://purl.org/dc/dcmitype/"/>
+    <ds:schemaRef ds:uri="http://schemas.microsoft.com/office/2006/documentManagement/types"/>
+    <ds:schemaRef ds:uri="http://purl.org/dc/terms/"/>
+    <ds:schemaRef ds:uri="a74673e6-49b0-477e-9180-497c60e39b2b"/>
+    <ds:schemaRef ds:uri="http://schemas.openxmlformats.org/package/2006/metadata/core-properties"/>
+    <ds:schemaRef ds:uri="eaac0109-c76f-4150-a5b7-55c6ab159f95"/>
   </ds:schemaRefs>
 </ds:datastoreItem>
 </file>
--- a/Weekly Meetings FYP.pptx
+++ b/Weekly Meetings FYP.pptx
@@ -5,7 +5,7 @@
     <p:sldMasterId id="2147483648" r:id="rId4"/>
   </p:sldMasterIdLst>
   <p:notesMasterIdLst>
-    <p:notesMasterId r:id="rId13"/>
+    <p:notesMasterId r:id="rId14"/>
   </p:notesMasterIdLst>
   <p:sldIdLst>
     <p:sldId id="256" r:id="rId5"/>
@@ -16,6 +16,7 @@
     <p:sldId id="259" r:id="rId10"/>
     <p:sldId id="262" r:id="rId11"/>
     <p:sldId id="263" r:id="rId12"/>
+    <p:sldId id="264" r:id="rId13"/>
   </p:sldIdLst>
   <p:sldSz cx="12192000" cy="6858000"/>
   <p:notesSz cx="6858000" cy="9144000"/>
@@ -212,7 +213,7 @@
           <a:p>
             <a:fld id="{71114E44-3DD4-4A1A-A1DD-FE54072DFEF2}" type="datetimeFigureOut">
               <a:rPr lang="en-US" smtClean="0"/>
-              <a:t>5/25/2023</a:t>
+              <a:t>6/1/2023</a:t>
             </a:fld>
             <a:endParaRPr lang="en-US"/>
           </a:p>
@@ -710,7 +711,7 @@
           <a:p>
             <a:fld id="{C4EE7C05-7DA8-4B4D-9C3E-5694A53DC2DD}" type="datetimeFigureOut">
               <a:rPr lang="en-US" smtClean="0"/>
-              <a:t>5/25/2023</a:t>
+              <a:t>6/1/2023</a:t>
             </a:fld>
             <a:endParaRPr lang="en-US"/>
           </a:p>
@@ -908,7 +909,7 @@
           <a:p>
             <a:fld id="{C4EE7C05-7DA8-4B4D-9C3E-5694A53DC2DD}" type="datetimeFigureOut">
               <a:rPr lang="en-US" smtClean="0"/>
-              <a:t>5/25/2023</a:t>
+              <a:t>6/1/2023</a:t>
             </a:fld>
             <a:endParaRPr lang="en-US"/>
           </a:p>
@@ -1116,7 +1117,7 @@
           <a:p>
             <a:fld id="{C4EE7C05-7DA8-4B4D-9C3E-5694A53DC2DD}" type="datetimeFigureOut">
               <a:rPr lang="en-US" smtClean="0"/>
-              <a:t>5/25/2023</a:t>
+              <a:t>6/1/2023</a:t>
             </a:fld>
             <a:endParaRPr lang="en-US"/>
           </a:p>
@@ -1314,7 +1315,7 @@
           <a:p>
             <a:fld id="{C4EE7C05-7DA8-4B4D-9C3E-5694A53DC2DD}" type="datetimeFigureOut">
               <a:rPr lang="en-US" smtClean="0"/>
-              <a:t>5/25/2023</a:t>
+              <a:t>6/1/2023</a:t>
             </a:fld>
             <a:endParaRPr lang="en-US"/>
           </a:p>
@@ -1589,7 +1590,7 @@
           <a:p>
             <a:fld id="{C4EE7C05-7DA8-4B4D-9C3E-5694A53DC2DD}" type="datetimeFigureOut">
               <a:rPr lang="en-US" smtClean="0"/>
-              <a:t>5/25/2023</a:t>
+              <a:t>6/1/2023</a:t>
             </a:fld>
             <a:endParaRPr lang="en-US"/>
           </a:p>
@@ -1854,7 +1855,7 @@
           <a:p>
             <a:fld id="{C4EE7C05-7DA8-4B4D-9C3E-5694A53DC2DD}" type="datetimeFigureOut">
               <a:rPr lang="en-US" smtClean="0"/>
-              <a:t>5/25/2023</a:t>
+              <a:t>6/1/2023</a:t>
             </a:fld>
             <a:endParaRPr lang="en-US"/>
           </a:p>
@@ -2266,7 +2267,7 @@
           <a:p>
             <a:fld id="{C4EE7C05-7DA8-4B4D-9C3E-5694A53DC2DD}" type="datetimeFigureOut">
               <a:rPr lang="en-US" smtClean="0"/>
-              <a:t>5/25/2023</a:t>
+              <a:t>6/1/2023</a:t>
             </a:fld>
             <a:endParaRPr lang="en-US"/>
           </a:p>
@@ -2407,7 +2408,7 @@
           <a:p>
             <a:fld id="{C4EE7C05-7DA8-4B4D-9C3E-5694A53DC2DD}" type="datetimeFigureOut">
               <a:rPr lang="en-US" smtClean="0"/>
-              <a:t>5/25/2023</a:t>
+              <a:t>6/1/2023</a:t>
             </a:fld>
             <a:endParaRPr lang="en-US"/>
           </a:p>
@@ -2520,7 +2521,7 @@
           <a:p>
             <a:fld id="{C4EE7C05-7DA8-4B4D-9C3E-5694A53DC2DD}" type="datetimeFigureOut">
               <a:rPr lang="en-US" smtClean="0"/>
-              <a:t>5/25/2023</a:t>
+              <a:t>6/1/2023</a:t>
             </a:fld>
             <a:endParaRPr lang="en-US"/>
           </a:p>
@@ -2831,7 +2832,7 @@
           <a:p>
             <a:fld id="{C4EE7C05-7DA8-4B4D-9C3E-5694A53DC2DD}" type="datetimeFigureOut">
               <a:rPr lang="en-US" smtClean="0"/>
-              <a:t>5/25/2023</a:t>
+              <a:t>6/1/2023</a:t>
             </a:fld>
             <a:endParaRPr lang="en-US"/>
           </a:p>
@@ -3119,7 +3120,7 @@
           <a:p>
             <a:fld id="{C4EE7C05-7DA8-4B4D-9C3E-5694A53DC2DD}" type="datetimeFigureOut">
               <a:rPr lang="en-US" smtClean="0"/>
-              <a:t>5/25/2023</a:t>
+              <a:t>6/1/2023</a:t>
             </a:fld>
             <a:endParaRPr lang="en-US"/>
           </a:p>
@@ -3360,7 +3361,7 @@
           <a:p>
             <a:fld id="{C4EE7C05-7DA8-4B4D-9C3E-5694A53DC2DD}" type="datetimeFigureOut">
               <a:rPr lang="en-US" smtClean="0"/>
-              <a:t>5/25/2023</a:t>
+              <a:t>6/1/2023</a:t>
             </a:fld>
             <a:endParaRPr lang="en-US"/>
           </a:p>
@@ -5278,6 +5279,106 @@
     <p:extLst>
       <p:ext uri="{BB962C8B-B14F-4D97-AF65-F5344CB8AC3E}">
         <p14:creationId xmlns:p14="http://schemas.microsoft.com/office/powerpoint/2010/main" val="1351678686"/>
+      </p:ext>
+    </p:extLst>
+  </p:cSld>
+  <p:clrMapOvr>
+    <a:masterClrMapping/>
+  </p:clrMapOvr>
+</p:sld>
+</file>
+
+<file path=ppt/slides/slide9.xml><?xml version="1.0" encoding="utf-8"?>
+<p:sld xmlns:a="http://schemas.openxmlformats.org/drawingml/2006/main" xmlns:r="http://schemas.openxmlformats.org/officeDocument/2006/relationships" xmlns:p="http://schemas.openxmlformats.org/presentationml/2006/main">
+  <p:cSld>
+    <p:spTree>
+      <p:nvGrpSpPr>
+        <p:cNvPr id="1" name=""/>
+        <p:cNvGrpSpPr/>
+        <p:nvPr/>
+      </p:nvGrpSpPr>
+      <p:grpSpPr>
+        <a:xfrm>
+          <a:off x="0" y="0"/>
+          <a:ext cx="0" cy="0"/>
+          <a:chOff x="0" y="0"/>
+          <a:chExt cx="0" cy="0"/>
+        </a:xfrm>
+      </p:grpSpPr>
+      <p:sp>
+        <p:nvSpPr>
+          <p:cNvPr id="2" name="Title 1">
+            <a:extLst>
+              <a:ext uri="{FF2B5EF4-FFF2-40B4-BE49-F238E27FC236}">
+                <a16:creationId xmlns:a16="http://schemas.microsoft.com/office/drawing/2014/main" id="{A931EFCB-0E91-10EB-A850-1BF22F84FD29}"/>
+              </a:ext>
+            </a:extLst>
+          </p:cNvPr>
+          <p:cNvSpPr>
+            <a:spLocks noGrp="1"/>
+          </p:cNvSpPr>
+          <p:nvPr>
+            <p:ph type="title"/>
+          </p:nvPr>
+        </p:nvSpPr>
+        <p:spPr/>
+        <p:txBody>
+          <a:bodyPr/>
+          <a:lstStyle/>
+          <a:p>
+            <a:r>
+              <a:rPr lang="en-US" dirty="0"/>
+              <a:t>Forward &amp; Reverse Kinematics</a:t>
+            </a:r>
+          </a:p>
+        </p:txBody>
+      </p:sp>
+      <p:sp>
+        <p:nvSpPr>
+          <p:cNvPr id="3" name="Content Placeholder 2">
+            <a:extLst>
+              <a:ext uri="{FF2B5EF4-FFF2-40B4-BE49-F238E27FC236}">
+                <a16:creationId xmlns:a16="http://schemas.microsoft.com/office/drawing/2014/main" id="{B2405F51-C4B3-2F1C-757B-58B215509C42}"/>
+              </a:ext>
+            </a:extLst>
+          </p:cNvPr>
+          <p:cNvSpPr>
+            <a:spLocks noGrp="1"/>
+          </p:cNvSpPr>
+          <p:nvPr>
+            <p:ph idx="1"/>
+          </p:nvPr>
+        </p:nvSpPr>
+        <p:spPr/>
+        <p:txBody>
+          <a:bodyPr>
+            <a:normAutofit/>
+          </a:bodyPr>
+          <a:lstStyle/>
+          <a:p>
+            <a:r>
+              <a:rPr lang="en-US" sz="1800" dirty="0"/>
+              <a:t>Forward kinematics is a method used in robotics to determine the end effector's pose (position and orientation) based on the joint angles and link lengths of a robot. It involves computing the transformation from the robot's base frame to the end effector frame.</a:t>
+            </a:r>
+          </a:p>
+          <a:p>
+            <a:r>
+              <a:rPr lang="en-US" sz="1800" dirty="0"/>
+              <a:t>Inverse kinematics is a technique used in robotics to determine the joint angles of a robot's manipulator in order to achieve a desired end effector position and orientation. It involves solving the mathematical equations that relate the robot's joint variables to its end effector pose.</a:t>
+            </a:r>
+          </a:p>
+          <a:p>
+            <a:r>
+              <a:rPr lang="en-US" sz="1800" dirty="0"/>
+              <a:t>Calculations for the forward and inverse kinematics of a 2DOF planar manipulator is done on notebook using the coordinate transformation method.</a:t>
+            </a:r>
+          </a:p>
+        </p:txBody>
+      </p:sp>
+    </p:spTree>
+    <p:extLst>
+      <p:ext uri="{BB962C8B-B14F-4D97-AF65-F5344CB8AC3E}">
+        <p14:creationId xmlns:p14="http://schemas.microsoft.com/office/powerpoint/2010/main" val="4034484731"/>
       </p:ext>
     </p:extLst>
   </p:cSld>
@@ -5878,15 +5979,6 @@
 </file>
 
 <file path=customXml/item1.xml><?xml version="1.0" encoding="utf-8"?>
-<?mso-contentType ?>
-<FormTemplates xmlns="http://schemas.microsoft.com/sharepoint/v3/contenttype/forms">
-  <Display>DocumentLibraryForm</Display>
-  <Edit>DocumentLibraryForm</Edit>
-  <New>DocumentLibraryForm</New>
-</FormTemplates>
-</file>
-
-<file path=customXml/item2.xml><?xml version="1.0" encoding="utf-8"?>
 <ct:contentTypeSchema xmlns:ct="http://schemas.microsoft.com/office/2006/metadata/contentType" xmlns:ma="http://schemas.microsoft.com/office/2006/metadata/properties/metaAttributes" ct:_="" ma:_="" ma:contentTypeName="Document" ma:contentTypeID="0x010100193F40A6F34E71478C04A6C9266E907F" ma:contentTypeVersion="11" ma:contentTypeDescription="Create a new document." ma:contentTypeScope="" ma:versionID="cd0901fca77e6d2843dc68a8ca8736ed">
   <xsd:schema xmlns:xsd="http://www.w3.org/2001/XMLSchema" xmlns:xs="http://www.w3.org/2001/XMLSchema" xmlns:p="http://schemas.microsoft.com/office/2006/metadata/properties" xmlns:ns3="eaac0109-c76f-4150-a5b7-55c6ab159f95" xmlns:ns4="a74673e6-49b0-477e-9180-497c60e39b2b" targetNamespace="http://schemas.microsoft.com/office/2006/metadata/properties" ma:root="true" ma:fieldsID="4ab6fdd8be463f6aedc053ae46fcd042" ns3:_="" ns4:_="">
     <xsd:import namespace="eaac0109-c76f-4150-a5b7-55c6ab159f95"/>
@@ -6097,6 +6189,15 @@
 </ct:contentTypeSchema>
 </file>
 
+<file path=customXml/item2.xml><?xml version="1.0" encoding="utf-8"?>
+<?mso-contentType ?>
+<FormTemplates xmlns="http://schemas.microsoft.com/sharepoint/v3/contenttype/forms">
+  <Display>DocumentLibraryForm</Display>
+  <Edit>DocumentLibraryForm</Edit>
+  <New>DocumentLibraryForm</New>
+</FormTemplates>
+</file>
+
 <file path=customXml/item3.xml><?xml version="1.0" encoding="utf-8"?>
 <p:properties xmlns:p="http://schemas.microsoft.com/office/2006/metadata/properties" xmlns:xsi="http://www.w3.org/2001/XMLSchema-instance" xmlns:pc="http://schemas.microsoft.com/office/infopath/2007/PartnerControls">
   <documentManagement/>
@@ -6104,14 +6205,6 @@
 </file>
 
 <file path=customXml/itemProps1.xml><?xml version="1.0" encoding="utf-8"?>
-<ds:datastoreItem xmlns:ds="http://schemas.openxmlformats.org/officeDocument/2006/customXml" ds:itemID="{AFF9694F-26EC-4EBE-B928-921F0F0182AA}">
-  <ds:schemaRefs>
-    <ds:schemaRef ds:uri="http://schemas.microsoft.com/sharepoint/v3/contenttype/forms"/>
-  </ds:schemaRefs>
-</ds:datastoreItem>
-</file>
-
-<file path=customXml/itemProps2.xml><?xml version="1.0" encoding="utf-8"?>
 <ds:datastoreItem xmlns:ds="http://schemas.openxmlformats.org/officeDocument/2006/customXml" ds:itemID="{BAD43F45-E734-4B5C-A5D8-7D18AEF2115C}">
   <ds:schemaRefs>
     <ds:schemaRef ds:uri="http://schemas.microsoft.com/office/2006/metadata/contentType"/>
@@ -6126,6 +6219,14 @@
     <ds:schemaRef ds:uri="http://purl.org/dc/elements/1.1/"/>
     <ds:schemaRef ds:uri="http://purl.org/dc/terms/"/>
     <ds:schemaRef ds:uri="http://schemas.microsoft.com/internal/obd"/>
+  </ds:schemaRefs>
+</ds:datastoreItem>
+</file>
+
+<file path=customXml/itemProps2.xml><?xml version="1.0" encoding="utf-8"?>
+<ds:datastoreItem xmlns:ds="http://schemas.openxmlformats.org/officeDocument/2006/customXml" ds:itemID="{AFF9694F-26EC-4EBE-B928-921F0F0182AA}">
+  <ds:schemaRefs>
+    <ds:schemaRef ds:uri="http://schemas.microsoft.com/sharepoint/v3/contenttype/forms"/>
   </ds:schemaRefs>
 </ds:datastoreItem>
 </file>

--- a/Weekly Meetings FYP.pptx
+++ b/Weekly Meetings FYP.pptx
@@ -5,7 +5,7 @@
     <p:sldMasterId id="2147483648" r:id="rId4"/>
   </p:sldMasterIdLst>
   <p:notesMasterIdLst>
-    <p:notesMasterId r:id="rId14"/>
+    <p:notesMasterId r:id="rId15"/>
   </p:notesMasterIdLst>
   <p:sldIdLst>
     <p:sldId id="256" r:id="rId5"/>
@@ -17,6 +17,7 @@
     <p:sldId id="262" r:id="rId11"/>
     <p:sldId id="263" r:id="rId12"/>
     <p:sldId id="264" r:id="rId13"/>
+    <p:sldId id="265" r:id="rId14"/>
   </p:sldIdLst>
   <p:sldSz cx="12192000" cy="6858000"/>
   <p:notesSz cx="6858000" cy="9144000"/>
@@ -213,7 +214,7 @@
           <a:p>
             <a:fld id="{71114E44-3DD4-4A1A-A1DD-FE54072DFEF2}" type="datetimeFigureOut">
               <a:rPr lang="en-US" smtClean="0"/>
-              <a:t>6/1/2023</a:t>
+              <a:t>6/13/2023</a:t>
             </a:fld>
             <a:endParaRPr lang="en-US"/>
           </a:p>
@@ -711,7 +712,7 @@
           <a:p>
             <a:fld id="{C4EE7C05-7DA8-4B4D-9C3E-5694A53DC2DD}" type="datetimeFigureOut">
               <a:rPr lang="en-US" smtClean="0"/>
-              <a:t>6/1/2023</a:t>
+              <a:t>6/13/2023</a:t>
             </a:fld>
             <a:endParaRPr lang="en-US"/>
           </a:p>
@@ -909,7 +910,7 @@
           <a:p>
             <a:fld id="{C4EE7C05-7DA8-4B4D-9C3E-5694A53DC2DD}" type="datetimeFigureOut">
               <a:rPr lang="en-US" smtClean="0"/>
-              <a:t>6/1/2023</a:t>
+              <a:t>6/13/2023</a:t>
             </a:fld>
             <a:endParaRPr lang="en-US"/>
           </a:p>
@@ -1117,7 +1118,7 @@
           <a:p>
             <a:fld id="{C4EE7C05-7DA8-4B4D-9C3E-5694A53DC2DD}" type="datetimeFigureOut">
               <a:rPr lang="en-US" smtClean="0"/>
-              <a:t>6/1/2023</a:t>
+              <a:t>6/13/2023</a:t>
             </a:fld>
             <a:endParaRPr lang="en-US"/>
           </a:p>
@@ -1315,7 +1316,7 @@
           <a:p>
             <a:fld id="{C4EE7C05-7DA8-4B4D-9C3E-5694A53DC2DD}" type="datetimeFigureOut">
               <a:rPr lang="en-US" smtClean="0"/>
-              <a:t>6/1/2023</a:t>
+              <a:t>6/13/2023</a:t>
             </a:fld>
             <a:endParaRPr lang="en-US"/>
           </a:p>
@@ -1590,7 +1591,7 @@
           <a:p>
             <a:fld id="{C4EE7C05-7DA8-4B4D-9C3E-5694A53DC2DD}" type="datetimeFigureOut">
               <a:rPr lang="en-US" smtClean="0"/>
-              <a:t>6/1/2023</a:t>
+              <a:t>6/13/2023</a:t>
             </a:fld>
             <a:endParaRPr lang="en-US"/>
           </a:p>
@@ -1855,7 +1856,7 @@
           <a:p>
             <a:fld id="{C4EE7C05-7DA8-4B4D-9C3E-5694A53DC2DD}" type="datetimeFigureOut">
               <a:rPr lang="en-US" smtClean="0"/>
-              <a:t>6/1/2023</a:t>
+              <a:t>6/13/2023</a:t>
             </a:fld>
             <a:endParaRPr lang="en-US"/>
           </a:p>
@@ -2267,7 +2268,7 @@
           <a:p>
             <a:fld id="{C4EE7C05-7DA8-4B4D-9C3E-5694A53DC2DD}" type="datetimeFigureOut">
               <a:rPr lang="en-US" smtClean="0"/>
-              <a:t>6/1/2023</a:t>
+              <a:t>6/13/2023</a:t>
             </a:fld>
             <a:endParaRPr lang="en-US"/>
           </a:p>
@@ -2408,7 +2409,7 @@
           <a:p>
             <a:fld id="{C4EE7C05-7DA8-4B4D-9C3E-5694A53DC2DD}" type="datetimeFigureOut">
               <a:rPr lang="en-US" smtClean="0"/>
-              <a:t>6/1/2023</a:t>
+              <a:t>6/13/2023</a:t>
             </a:fld>
             <a:endParaRPr lang="en-US"/>
           </a:p>
@@ -2521,7 +2522,7 @@
           <a:p>
             <a:fld id="{C4EE7C05-7DA8-4B4D-9C3E-5694A53DC2DD}" type="datetimeFigureOut">
               <a:rPr lang="en-US" smtClean="0"/>
-              <a:t>6/1/2023</a:t>
+              <a:t>6/13/2023</a:t>
             </a:fld>
             <a:endParaRPr lang="en-US"/>
           </a:p>
@@ -2832,7 +2833,7 @@
           <a:p>
             <a:fld id="{C4EE7C05-7DA8-4B4D-9C3E-5694A53DC2DD}" type="datetimeFigureOut">
               <a:rPr lang="en-US" smtClean="0"/>
-              <a:t>6/1/2023</a:t>
+              <a:t>6/13/2023</a:t>
             </a:fld>
             <a:endParaRPr lang="en-US"/>
           </a:p>
@@ -3120,7 +3121,7 @@
           <a:p>
             <a:fld id="{C4EE7C05-7DA8-4B4D-9C3E-5694A53DC2DD}" type="datetimeFigureOut">
               <a:rPr lang="en-US" smtClean="0"/>
-              <a:t>6/1/2023</a:t>
+              <a:t>6/13/2023</a:t>
             </a:fld>
             <a:endParaRPr lang="en-US"/>
           </a:p>
@@ -3361,7 +3362,7 @@
           <a:p>
             <a:fld id="{C4EE7C05-7DA8-4B4D-9C3E-5694A53DC2DD}" type="datetimeFigureOut">
               <a:rPr lang="en-US" smtClean="0"/>
-              <a:t>6/1/2023</a:t>
+              <a:t>6/13/2023</a:t>
             </a:fld>
             <a:endParaRPr lang="en-US"/>
           </a:p>
@@ -3942,6 +3943,169 @@
     <p:extLst>
       <p:ext uri="{BB962C8B-B14F-4D97-AF65-F5344CB8AC3E}">
         <p14:creationId xmlns:p14="http://schemas.microsoft.com/office/powerpoint/2010/main" val="1609046222"/>
+      </p:ext>
+    </p:extLst>
+  </p:cSld>
+  <p:clrMapOvr>
+    <a:masterClrMapping/>
+  </p:clrMapOvr>
+</p:sld>
+</file>
+
+<file path=ppt/slides/slide10.xml><?xml version="1.0" encoding="utf-8"?>
+<p:sld xmlns:a="http://schemas.openxmlformats.org/drawingml/2006/main" xmlns:r="http://schemas.openxmlformats.org/officeDocument/2006/relationships" xmlns:p="http://schemas.openxmlformats.org/presentationml/2006/main">
+  <p:cSld>
+    <p:spTree>
+      <p:nvGrpSpPr>
+        <p:cNvPr id="1" name=""/>
+        <p:cNvGrpSpPr/>
+        <p:nvPr/>
+      </p:nvGrpSpPr>
+      <p:grpSpPr>
+        <a:xfrm>
+          <a:off x="0" y="0"/>
+          <a:ext cx="0" cy="0"/>
+          <a:chOff x="0" y="0"/>
+          <a:chExt cx="0" cy="0"/>
+        </a:xfrm>
+      </p:grpSpPr>
+      <p:sp>
+        <p:nvSpPr>
+          <p:cNvPr id="2" name="Title 1">
+            <a:extLst>
+              <a:ext uri="{FF2B5EF4-FFF2-40B4-BE49-F238E27FC236}">
+                <a16:creationId xmlns:a16="http://schemas.microsoft.com/office/drawing/2014/main" id="{D8FC921C-97BC-38C8-5844-DBF5B434C356}"/>
+              </a:ext>
+            </a:extLst>
+          </p:cNvPr>
+          <p:cNvSpPr>
+            <a:spLocks noGrp="1"/>
+          </p:cNvSpPr>
+          <p:nvPr>
+            <p:ph type="title"/>
+          </p:nvPr>
+        </p:nvSpPr>
+        <p:spPr/>
+        <p:txBody>
+          <a:bodyPr/>
+          <a:lstStyle/>
+          <a:p>
+            <a:r>
+              <a:rPr lang="en-US" dirty="0"/>
+              <a:t>Week 2</a:t>
+            </a:r>
+          </a:p>
+        </p:txBody>
+      </p:sp>
+      <p:sp>
+        <p:nvSpPr>
+          <p:cNvPr id="3" name="Content Placeholder 2">
+            <a:extLst>
+              <a:ext uri="{FF2B5EF4-FFF2-40B4-BE49-F238E27FC236}">
+                <a16:creationId xmlns:a16="http://schemas.microsoft.com/office/drawing/2014/main" id="{DA32AA62-AFB8-83E6-8AEC-A45C5EC2A9F4}"/>
+              </a:ext>
+            </a:extLst>
+          </p:cNvPr>
+          <p:cNvSpPr>
+            <a:spLocks noGrp="1"/>
+          </p:cNvSpPr>
+          <p:nvPr>
+            <p:ph idx="1"/>
+          </p:nvPr>
+        </p:nvSpPr>
+        <p:spPr/>
+        <p:txBody>
+          <a:bodyPr>
+            <a:normAutofit/>
+          </a:bodyPr>
+          <a:lstStyle/>
+          <a:p>
+            <a:r>
+              <a:rPr lang="en-US" sz="2400" dirty="0"/>
+              <a:t>To do: Maze Search</a:t>
+            </a:r>
+          </a:p>
+          <a:p>
+            <a:r>
+              <a:rPr lang="en-US" sz="2400" dirty="0"/>
+              <a:t>Blind Search</a:t>
+            </a:r>
+          </a:p>
+          <a:p>
+            <a:pPr marL="971550" lvl="1" indent="-514350">
+              <a:buFont typeface="+mj-lt"/>
+              <a:buAutoNum type="arabicPeriod"/>
+            </a:pPr>
+            <a:r>
+              <a:rPr lang="en-US" sz="1800" dirty="0"/>
+              <a:t>BFS: Breadth First Search</a:t>
+            </a:r>
+          </a:p>
+          <a:p>
+            <a:pPr marL="971550" lvl="1" indent="-514350">
+              <a:buFont typeface="+mj-lt"/>
+              <a:buAutoNum type="arabicPeriod"/>
+            </a:pPr>
+            <a:r>
+              <a:rPr lang="en-US" sz="1800" dirty="0"/>
+              <a:t>DFS: Depth First Search</a:t>
+            </a:r>
+          </a:p>
+          <a:p>
+            <a:pPr marL="971550" lvl="1" indent="-514350">
+              <a:buFont typeface="+mj-lt"/>
+              <a:buAutoNum type="arabicPeriod"/>
+            </a:pPr>
+            <a:r>
+              <a:rPr lang="en-US" sz="1800" dirty="0"/>
+              <a:t>Uniform Cost</a:t>
+            </a:r>
+          </a:p>
+          <a:p>
+            <a:r>
+              <a:rPr lang="en-US" sz="2400" dirty="0"/>
+              <a:t>Informed Search</a:t>
+            </a:r>
+          </a:p>
+          <a:p>
+            <a:pPr marL="971550" lvl="1" indent="-514350">
+              <a:buFont typeface="+mj-lt"/>
+              <a:buAutoNum type="arabicPeriod"/>
+            </a:pPr>
+            <a:r>
+              <a:rPr lang="en-US" sz="1800" dirty="0"/>
+              <a:t>Greedy Search</a:t>
+            </a:r>
+          </a:p>
+          <a:p>
+            <a:pPr marL="971550" lvl="1" indent="-514350">
+              <a:buFont typeface="+mj-lt"/>
+              <a:buAutoNum type="arabicPeriod"/>
+            </a:pPr>
+            <a:r>
+              <a:rPr lang="en-US" sz="1800" dirty="0"/>
+              <a:t>A* Algorithm</a:t>
+            </a:r>
+          </a:p>
+          <a:p>
+            <a:pPr marL="971550" lvl="1" indent="-514350">
+              <a:buFont typeface="+mj-lt"/>
+              <a:buAutoNum type="arabicPeriod"/>
+            </a:pPr>
+            <a:r>
+              <a:rPr lang="en-US" sz="1800" dirty="0"/>
+              <a:t>Q-learning</a:t>
+            </a:r>
+          </a:p>
+          <a:p>
+            <a:endParaRPr lang="en-US" dirty="0"/>
+          </a:p>
+        </p:txBody>
+      </p:sp>
+    </p:spTree>
+    <p:extLst>
+      <p:ext uri="{BB962C8B-B14F-4D97-AF65-F5344CB8AC3E}">
+        <p14:creationId xmlns:p14="http://schemas.microsoft.com/office/powerpoint/2010/main" val="67932605"/>
       </p:ext>
     </p:extLst>
   </p:cSld>
@@ -5979,6 +6143,15 @@
 </file>
 
 <file path=customXml/item1.xml><?xml version="1.0" encoding="utf-8"?>
+<?mso-contentType ?>
+<FormTemplates xmlns="http://schemas.microsoft.com/sharepoint/v3/contenttype/forms">
+  <Display>DocumentLibraryForm</Display>
+  <Edit>DocumentLibraryForm</Edit>
+  <New>DocumentLibraryForm</New>
+</FormTemplates>
+</file>
+
+<file path=customXml/item2.xml><?xml version="1.0" encoding="utf-8"?>
 <ct:contentTypeSchema xmlns:ct="http://schemas.microsoft.com/office/2006/metadata/contentType" xmlns:ma="http://schemas.microsoft.com/office/2006/metadata/properties/metaAttributes" ct:_="" ma:_="" ma:contentTypeName="Document" ma:contentTypeID="0x010100193F40A6F34E71478C04A6C9266E907F" ma:contentTypeVersion="11" ma:contentTypeDescription="Create a new document." ma:contentTypeScope="" ma:versionID="cd0901fca77e6d2843dc68a8ca8736ed">
   <xsd:schema xmlns:xsd="http://www.w3.org/2001/XMLSchema" xmlns:xs="http://www.w3.org/2001/XMLSchema" xmlns:p="http://schemas.microsoft.com/office/2006/metadata/properties" xmlns:ns3="eaac0109-c76f-4150-a5b7-55c6ab159f95" xmlns:ns4="a74673e6-49b0-477e-9180-497c60e39b2b" targetNamespace="http://schemas.microsoft.com/office/2006/metadata/properties" ma:root="true" ma:fieldsID="4ab6fdd8be463f6aedc053ae46fcd042" ns3:_="" ns4:_="">
     <xsd:import namespace="eaac0109-c76f-4150-a5b7-55c6ab159f95"/>
@@ -6189,15 +6362,6 @@
 </ct:contentTypeSchema>
 </file>
 
-<file path=customXml/item2.xml><?xml version="1.0" encoding="utf-8"?>
-<?mso-contentType ?>
-<FormTemplates xmlns="http://schemas.microsoft.com/sharepoint/v3/contenttype/forms">
-  <Display>DocumentLibraryForm</Display>
-  <Edit>DocumentLibraryForm</Edit>
-  <New>DocumentLibraryForm</New>
-</FormTemplates>
-</file>
-
 <file path=customXml/item3.xml><?xml version="1.0" encoding="utf-8"?>
 <p:properties xmlns:p="http://schemas.microsoft.com/office/2006/metadata/properties" xmlns:xsi="http://www.w3.org/2001/XMLSchema-instance" xmlns:pc="http://schemas.microsoft.com/office/infopath/2007/PartnerControls">
   <documentManagement/>
@@ -6205,6 +6369,14 @@
 </file>
 
 <file path=customXml/itemProps1.xml><?xml version="1.0" encoding="utf-8"?>
+<ds:datastoreItem xmlns:ds="http://schemas.openxmlformats.org/officeDocument/2006/customXml" ds:itemID="{AFF9694F-26EC-4EBE-B928-921F0F0182AA}">
+  <ds:schemaRefs>
+    <ds:schemaRef ds:uri="http://schemas.microsoft.com/sharepoint/v3/contenttype/forms"/>
+  </ds:schemaRefs>
+</ds:datastoreItem>
+</file>
+
+<file path=customXml/itemProps2.xml><?xml version="1.0" encoding="utf-8"?>
 <ds:datastoreItem xmlns:ds="http://schemas.openxmlformats.org/officeDocument/2006/customXml" ds:itemID="{BAD43F45-E734-4B5C-A5D8-7D18AEF2115C}">
   <ds:schemaRefs>
     <ds:schemaRef ds:uri="http://schemas.microsoft.com/office/2006/metadata/contentType"/>
@@ -6219,14 +6391,6 @@
     <ds:schemaRef ds:uri="http://purl.org/dc/elements/1.1/"/>
     <ds:schemaRef ds:uri="http://purl.org/dc/terms/"/>
     <ds:schemaRef ds:uri="http://schemas.microsoft.com/internal/obd"/>
-  </ds:schemaRefs>
-</ds:datastoreItem>
-</file>
-
-<file path=customXml/itemProps2.xml><?xml version="1.0" encoding="utf-8"?>
-<ds:datastoreItem xmlns:ds="http://schemas.openxmlformats.org/officeDocument/2006/customXml" ds:itemID="{AFF9694F-26EC-4EBE-B928-921F0F0182AA}">
-  <ds:schemaRefs>
-    <ds:schemaRef ds:uri="http://schemas.microsoft.com/sharepoint/v3/contenttype/forms"/>
   </ds:schemaRefs>
 </ds:datastoreItem>
 </file>
